--- a/Money Time_比賽.pptx
+++ b/Money Time_比賽.pptx
@@ -202,7 +202,7 @@
             <a:fld id="{541F7201-2AE5-46AC-9D29-9B4241522064}" type="datetimeFigureOut">
               <a:rPr lang="zh-TW" altLang="en-US" smtClean="0"/>
               <a:pPr/>
-              <a:t>2013/11/5</a:t>
+              <a:t>2013/11/6</a:t>
             </a:fld>
             <a:endParaRPr lang="zh-TW" altLang="en-US"/>
           </a:p>
@@ -278,7 +278,7 @@
     </p:spTree>
     <p:extLst>
       <p:ext uri="{BB962C8B-B14F-4D97-AF65-F5344CB8AC3E}">
-        <p14:creationId xmlns:p14="http://schemas.microsoft.com/office/powerpoint/2010/main" xmlns="" val="1546526523"/>
+        <p14:creationId xmlns="" xmlns:p14="http://schemas.microsoft.com/office/powerpoint/2010/main" val="1546526523"/>
       </p:ext>
     </p:extLst>
   </p:cSld>
@@ -945,7 +945,7 @@
             <a:fld id="{FB18DEE5-9340-46CD-B38E-E67C1368EC5A}" type="datetimeFigureOut">
               <a:rPr lang="zh-TW" altLang="en-US" smtClean="0"/>
               <a:pPr/>
-              <a:t>2013/11/5</a:t>
+              <a:t>2013/11/6</a:t>
             </a:fld>
             <a:endParaRPr lang="zh-TW" altLang="en-US"/>
           </a:p>
@@ -1130,7 +1130,7 @@
             <a:fld id="{FB18DEE5-9340-46CD-B38E-E67C1368EC5A}" type="datetimeFigureOut">
               <a:rPr lang="zh-TW" altLang="en-US" smtClean="0"/>
               <a:pPr/>
-              <a:t>2013/11/5</a:t>
+              <a:t>2013/11/6</a:t>
             </a:fld>
             <a:endParaRPr lang="zh-TW" altLang="en-US"/>
           </a:p>
@@ -1307,7 +1307,7 @@
             <a:fld id="{FB18DEE5-9340-46CD-B38E-E67C1368EC5A}" type="datetimeFigureOut">
               <a:rPr lang="zh-TW" altLang="en-US" smtClean="0"/>
               <a:pPr/>
-              <a:t>2013/11/5</a:t>
+              <a:t>2013/11/6</a:t>
             </a:fld>
             <a:endParaRPr lang="zh-TW" altLang="en-US"/>
           </a:p>
@@ -1474,7 +1474,7 @@
             <a:fld id="{FB18DEE5-9340-46CD-B38E-E67C1368EC5A}" type="datetimeFigureOut">
               <a:rPr lang="zh-TW" altLang="en-US" smtClean="0"/>
               <a:pPr/>
-              <a:t>2013/11/5</a:t>
+              <a:t>2013/11/6</a:t>
             </a:fld>
             <a:endParaRPr lang="zh-TW" altLang="en-US"/>
           </a:p>
@@ -1697,7 +1697,7 @@
             <a:fld id="{FB18DEE5-9340-46CD-B38E-E67C1368EC5A}" type="datetimeFigureOut">
               <a:rPr lang="zh-TW" altLang="en-US" smtClean="0"/>
               <a:pPr/>
-              <a:t>2013/11/5</a:t>
+              <a:t>2013/11/6</a:t>
             </a:fld>
             <a:endParaRPr lang="zh-TW" altLang="en-US"/>
           </a:p>
@@ -1958,7 +1958,7 @@
             <a:fld id="{FB18DEE5-9340-46CD-B38E-E67C1368EC5A}" type="datetimeFigureOut">
               <a:rPr lang="zh-TW" altLang="en-US" smtClean="0"/>
               <a:pPr/>
-              <a:t>2013/11/5</a:t>
+              <a:t>2013/11/6</a:t>
             </a:fld>
             <a:endParaRPr lang="zh-TW" altLang="en-US"/>
           </a:p>
@@ -2364,7 +2364,7 @@
             <a:fld id="{FB18DEE5-9340-46CD-B38E-E67C1368EC5A}" type="datetimeFigureOut">
               <a:rPr lang="zh-TW" altLang="en-US" smtClean="0"/>
               <a:pPr/>
-              <a:t>2013/11/5</a:t>
+              <a:t>2013/11/6</a:t>
             </a:fld>
             <a:endParaRPr lang="zh-TW" altLang="en-US"/>
           </a:p>
@@ -2497,7 +2497,7 @@
             <a:fld id="{FB18DEE5-9340-46CD-B38E-E67C1368EC5A}" type="datetimeFigureOut">
               <a:rPr lang="zh-TW" altLang="en-US" smtClean="0"/>
               <a:pPr/>
-              <a:t>2013/11/5</a:t>
+              <a:t>2013/11/6</a:t>
             </a:fld>
             <a:endParaRPr lang="zh-TW" altLang="en-US"/>
           </a:p>
@@ -2599,7 +2599,7 @@
             <a:fld id="{FB18DEE5-9340-46CD-B38E-E67C1368EC5A}" type="datetimeFigureOut">
               <a:rPr lang="zh-TW" altLang="en-US" smtClean="0"/>
               <a:pPr/>
-              <a:t>2013/11/5</a:t>
+              <a:t>2013/11/6</a:t>
             </a:fld>
             <a:endParaRPr lang="zh-TW" altLang="en-US"/>
           </a:p>
@@ -2846,7 +2846,7 @@
             <a:fld id="{FB18DEE5-9340-46CD-B38E-E67C1368EC5A}" type="datetimeFigureOut">
               <a:rPr lang="zh-TW" altLang="en-US" smtClean="0"/>
               <a:pPr/>
-              <a:t>2013/11/5</a:t>
+              <a:t>2013/11/6</a:t>
             </a:fld>
             <a:endParaRPr lang="zh-TW" altLang="en-US"/>
           </a:p>
@@ -3092,7 +3092,7 @@
             <a:fld id="{FB18DEE5-9340-46CD-B38E-E67C1368EC5A}" type="datetimeFigureOut">
               <a:rPr lang="zh-TW" altLang="en-US" smtClean="0"/>
               <a:pPr/>
-              <a:t>2013/11/5</a:t>
+              <a:t>2013/11/6</a:t>
             </a:fld>
             <a:endParaRPr lang="zh-TW" altLang="en-US"/>
           </a:p>
@@ -3918,7 +3918,7 @@
             <a:fld id="{FB18DEE5-9340-46CD-B38E-E67C1368EC5A}" type="datetimeFigureOut">
               <a:rPr lang="zh-TW" altLang="en-US" smtClean="0"/>
               <a:pPr/>
-              <a:t>2013/11/5</a:t>
+              <a:t>2013/11/6</a:t>
             </a:fld>
             <a:endParaRPr lang="zh-TW" altLang="en-US"/>
           </a:p>
@@ -4495,7 +4495,7 @@
     </p:spTree>
     <p:extLst>
       <p:ext uri="{BB962C8B-B14F-4D97-AF65-F5344CB8AC3E}">
-        <p14:creationId xmlns:p14="http://schemas.microsoft.com/office/powerpoint/2010/main" xmlns="" val="1275733625"/>
+        <p14:creationId xmlns="" xmlns:p14="http://schemas.microsoft.com/office/powerpoint/2010/main" val="1275733625"/>
       </p:ext>
     </p:extLst>
   </p:cSld>
@@ -4640,14 +4640,7 @@
                 <a:latin typeface="Adobe 黑体 Std R" pitchFamily="34" charset="-128"/>
                 <a:ea typeface="Adobe 黑体 Std R" pitchFamily="34" charset="-128"/>
               </a:rPr>
-              <a:t>系統功能</a:t>
-            </a:r>
-            <a:r>
-              <a:rPr lang="zh-TW" altLang="en-US" dirty="0" smtClean="0">
-                <a:latin typeface="Adobe 黑体 Std R" pitchFamily="34" charset="-128"/>
-                <a:ea typeface="Adobe 黑体 Std R" pitchFamily="34" charset="-128"/>
-              </a:rPr>
-              <a:t>介紹</a:t>
+              <a:t>系統功能介紹</a:t>
             </a:r>
             <a:endParaRPr lang="en-US" altLang="zh-TW" dirty="0" smtClean="0">
               <a:latin typeface="Adobe 黑体 Std R" pitchFamily="34" charset="-128"/>
@@ -4670,14 +4663,7 @@
                 <a:latin typeface="Adobe 黑体 Std R" pitchFamily="34" charset="-128"/>
                 <a:ea typeface="Adobe 黑体 Std R" pitchFamily="34" charset="-128"/>
               </a:rPr>
-              <a:t>使用</a:t>
-            </a:r>
-            <a:r>
-              <a:rPr lang="zh-TW" altLang="en-US" dirty="0" smtClean="0">
-                <a:latin typeface="Adobe 黑体 Std R" pitchFamily="34" charset="-128"/>
-                <a:ea typeface="Adobe 黑体 Std R" pitchFamily="34" charset="-128"/>
-              </a:rPr>
-              <a:t>情境模擬</a:t>
+              <a:t>使用情境模擬</a:t>
             </a:r>
             <a:endParaRPr lang="en-US" altLang="zh-TW" dirty="0" smtClean="0">
               <a:latin typeface="Adobe 黑体 Std R" pitchFamily="34" charset="-128"/>
@@ -4835,14 +4821,7 @@
                 <a:latin typeface="+mj-ea"/>
                 <a:ea typeface="+mj-ea"/>
               </a:rPr>
-              <a:t>商家</a:t>
-            </a:r>
-            <a:r>
-              <a:rPr lang="zh-TW" altLang="en-US" dirty="0" smtClean="0">
-                <a:latin typeface="+mj-ea"/>
-                <a:ea typeface="+mj-ea"/>
-              </a:rPr>
-              <a:t>使用紙本電子發票普及化</a:t>
+              <a:t>商家使用紙本電子發票普及化</a:t>
             </a:r>
             <a:endParaRPr lang="en-US" altLang="zh-TW" dirty="0" smtClean="0">
               <a:latin typeface="+mj-ea"/>
@@ -5118,17 +5097,7 @@
                     <a:latin typeface="Adobe 繁黑體 Std B" pitchFamily="34" charset="-120"/>
                     <a:ea typeface="Adobe 繁黑體 Std B" pitchFamily="34" charset="-120"/>
                   </a:rPr>
-                  <a:t>財政部電子</a:t>
-                </a:r>
-                <a:r>
-                  <a:rPr lang="zh-TW" altLang="en-US" sz="2000" dirty="0" smtClean="0">
-                    <a:solidFill>
-                      <a:srgbClr val="FF0000"/>
-                    </a:solidFill>
-                    <a:latin typeface="Adobe 繁黑體 Std B" pitchFamily="34" charset="-120"/>
-                    <a:ea typeface="Adobe 繁黑體 Std B" pitchFamily="34" charset="-120"/>
-                  </a:rPr>
-                  <a:t>發票</a:t>
+                  <a:t>財政部電子發票</a:t>
                 </a:r>
                 <a:endParaRPr lang="zh-TW" altLang="en-US" sz="2000" dirty="0">
                   <a:solidFill>
@@ -6033,67 +6002,10 @@
           </p:pic>
         </p:grpSp>
       </p:grpSp>
-      <p:sp>
-        <p:nvSpPr>
-          <p:cNvPr id="27" name="流程圖: 程序 26"/>
-          <p:cNvSpPr/>
-          <p:nvPr/>
-        </p:nvSpPr>
-        <p:spPr>
-          <a:xfrm>
-            <a:off x="6516216" y="1628800"/>
-            <a:ext cx="2304256" cy="648072"/>
-          </a:xfrm>
-          <a:prstGeom prst="flowChartProcess">
-            <a:avLst/>
-          </a:prstGeom>
-        </p:spPr>
-        <p:style>
-          <a:lnRef idx="1">
-            <a:schemeClr val="dk1"/>
-          </a:lnRef>
-          <a:fillRef idx="2">
-            <a:schemeClr val="dk1"/>
-          </a:fillRef>
-          <a:effectRef idx="1">
-            <a:schemeClr val="dk1"/>
-          </a:effectRef>
-          <a:fontRef idx="minor">
-            <a:schemeClr val="dk1"/>
-          </a:fontRef>
-        </p:style>
-        <p:txBody>
-          <a:bodyPr rtlCol="0" anchor="ctr"/>
-          <a:lstStyle/>
-          <a:p>
-            <a:pPr algn="ctr"/>
-            <a:r>
-              <a:rPr lang="zh-TW" altLang="en-US" sz="2000" dirty="0" smtClean="0">
-                <a:latin typeface="微軟正黑體" pitchFamily="34" charset="-120"/>
-                <a:ea typeface="微軟正黑體" pitchFamily="34" charset="-120"/>
-              </a:rPr>
-              <a:t>微笑單車</a:t>
-            </a:r>
-            <a:r>
-              <a:rPr lang="en-US" altLang="zh-TW" sz="2000" dirty="0" smtClean="0">
-                <a:latin typeface="微軟正黑體" pitchFamily="34" charset="-120"/>
-                <a:ea typeface="微軟正黑體" pitchFamily="34" charset="-120"/>
-              </a:rPr>
-              <a:t>(You Bike)</a:t>
-            </a:r>
-            <a:endParaRPr lang="zh-TW" altLang="en-US" sz="2000" dirty="0">
-              <a:latin typeface="微軟正黑體" pitchFamily="34" charset="-120"/>
-              <a:ea typeface="微軟正黑體" pitchFamily="34" charset="-120"/>
-            </a:endParaRPr>
-          </a:p>
-        </p:txBody>
-      </p:sp>
       <p:cxnSp>
         <p:nvCxnSpPr>
           <p:cNvPr id="29" name="直線單箭頭接點 28"/>
-          <p:cNvCxnSpPr>
-            <a:endCxn id="27" idx="2"/>
-          </p:cNvCxnSpPr>
+          <p:cNvCxnSpPr/>
           <p:nvPr/>
         </p:nvCxnSpPr>
         <p:spPr>
@@ -6126,6 +6038,61 @@
           </a:fontRef>
         </p:style>
       </p:cxnSp>
+      <p:sp>
+        <p:nvSpPr>
+          <p:cNvPr id="30" name="流程圖: 程序 29"/>
+          <p:cNvSpPr/>
+          <p:nvPr/>
+        </p:nvSpPr>
+        <p:spPr>
+          <a:xfrm>
+            <a:off x="6516216" y="1628800"/>
+            <a:ext cx="2304256" cy="648072"/>
+          </a:xfrm>
+          <a:prstGeom prst="flowChartProcess">
+            <a:avLst/>
+          </a:prstGeom>
+        </p:spPr>
+        <p:style>
+          <a:lnRef idx="1">
+            <a:schemeClr val="dk1"/>
+          </a:lnRef>
+          <a:fillRef idx="2">
+            <a:schemeClr val="dk1"/>
+          </a:fillRef>
+          <a:effectRef idx="1">
+            <a:schemeClr val="dk1"/>
+          </a:effectRef>
+          <a:fontRef idx="minor">
+            <a:schemeClr val="dk1"/>
+          </a:fontRef>
+        </p:style>
+        <p:txBody>
+          <a:bodyPr rtlCol="0" anchor="ctr"/>
+          <a:lstStyle/>
+          <a:p>
+            <a:pPr algn="ctr"/>
+            <a:r>
+              <a:rPr lang="zh-TW" altLang="en-US" sz="2000" dirty="0" smtClean="0">
+                <a:latin typeface="微軟正黑體" pitchFamily="34" charset="-120"/>
+                <a:ea typeface="微軟正黑體" pitchFamily="34" charset="-120"/>
+              </a:rPr>
+              <a:t>微笑單車</a:t>
+            </a:r>
+            <a:r>
+              <a:rPr lang="en-US" altLang="zh-TW" sz="2000" dirty="0" smtClean="0">
+                <a:latin typeface="微軟正黑體" pitchFamily="34" charset="-120"/>
+                <a:ea typeface="微軟正黑體" pitchFamily="34" charset="-120"/>
+              </a:rPr>
+              <a:t>(You Bike)</a:t>
+            </a:r>
+            <a:endParaRPr lang="zh-TW" altLang="en-US" sz="2000" dirty="0">
+              <a:latin typeface="微軟正黑體" pitchFamily="34" charset="-120"/>
+              <a:ea typeface="微軟正黑體" pitchFamily="34" charset="-120"/>
+            </a:endParaRPr>
+          </a:p>
+        </p:txBody>
+      </p:sp>
     </p:spTree>
   </p:cSld>
   <p:clrMapOvr>
@@ -6265,14 +6232,7 @@
                 <a:latin typeface="+mj-ea"/>
                 <a:ea typeface="+mj-ea"/>
               </a:rPr>
-              <a:t>登入</a:t>
-            </a:r>
-            <a:r>
-              <a:rPr lang="zh-TW" altLang="en-US" dirty="0" smtClean="0">
-                <a:latin typeface="+mj-ea"/>
-                <a:ea typeface="+mj-ea"/>
-              </a:rPr>
-              <a:t>手機條碼載具</a:t>
+              <a:t>登入手機條碼載具</a:t>
             </a:r>
             <a:endParaRPr lang="en-US" altLang="zh-TW" dirty="0" smtClean="0">
               <a:latin typeface="+mj-ea"/>
@@ -6318,21 +6278,7 @@
                 <a:latin typeface="+mj-ea"/>
                 <a:ea typeface="+mj-ea"/>
               </a:rPr>
-              <a:t>系統</a:t>
-            </a:r>
-            <a:r>
-              <a:rPr lang="zh-TW" altLang="en-US" dirty="0" smtClean="0">
-                <a:latin typeface="+mj-ea"/>
-                <a:ea typeface="+mj-ea"/>
-              </a:rPr>
-              <a:t>帳務</a:t>
-            </a:r>
-            <a:r>
-              <a:rPr lang="zh-TW" altLang="en-US" dirty="0" smtClean="0">
-                <a:latin typeface="+mj-ea"/>
-                <a:ea typeface="+mj-ea"/>
-              </a:rPr>
-              <a:t>匯入匯出</a:t>
+              <a:t>系統帳務匯入匯出</a:t>
             </a:r>
             <a:endParaRPr lang="en-US" altLang="zh-TW" dirty="0" smtClean="0">
               <a:latin typeface="+mj-ea"/>
@@ -6385,14 +6331,7 @@
                 <a:latin typeface="+mj-ea"/>
                 <a:ea typeface="+mj-ea"/>
               </a:rPr>
-              <a:t>結合臺北市政府資料開放</a:t>
-            </a:r>
-            <a:r>
-              <a:rPr lang="zh-TW" altLang="en-US" dirty="0" smtClean="0">
-                <a:latin typeface="+mj-ea"/>
-                <a:ea typeface="+mj-ea"/>
-              </a:rPr>
-              <a:t>平台</a:t>
+              <a:t>結合臺北市政府資料開放平台</a:t>
             </a:r>
             <a:r>
               <a:rPr lang="en-US" altLang="zh-TW" dirty="0" smtClean="0">
@@ -6488,7 +6427,7 @@
           <a:blip r:embed="rId3" cstate="print">
             <a:extLst>
               <a:ext uri="{28A0092B-C50C-407E-A947-70E740481C1C}">
-                <a14:useLocalDpi xmlns:a14="http://schemas.microsoft.com/office/drawing/2010/main" xmlns="" val="0"/>
+                <a14:useLocalDpi xmlns="" xmlns:a14="http://schemas.microsoft.com/office/drawing/2010/main" val="0"/>
               </a:ext>
             </a:extLst>
           </a:blip>
@@ -6511,14 +6450,14 @@
           </a:ln>
           <a:extLst>
             <a:ext uri="{909E8E84-426E-40DD-AFC4-6F175D3DCCD1}">
-              <a14:hiddenFill xmlns:a14="http://schemas.microsoft.com/office/drawing/2010/main" xmlns="">
+              <a14:hiddenFill xmlns="" xmlns:a14="http://schemas.microsoft.com/office/drawing/2010/main">
                 <a:solidFill>
                   <a:schemeClr val="accent1"/>
                 </a:solidFill>
               </a14:hiddenFill>
             </a:ext>
             <a:ext uri="{91240B29-F687-4F45-9708-019B960494DF}">
-              <a14:hiddenLine xmlns:a14="http://schemas.microsoft.com/office/drawing/2010/main" xmlns="" w="9525">
+              <a14:hiddenLine xmlns="" xmlns:a14="http://schemas.microsoft.com/office/drawing/2010/main" w="9525">
                 <a:solidFill>
                   <a:schemeClr val="tx1"/>
                 </a:solidFill>
@@ -6632,7 +6571,7 @@
           <a:blip r:embed="rId4" cstate="print">
             <a:extLst>
               <a:ext uri="{28A0092B-C50C-407E-A947-70E740481C1C}">
-                <a14:useLocalDpi xmlns:a14="http://schemas.microsoft.com/office/drawing/2010/main" xmlns="" val="0"/>
+                <a14:useLocalDpi xmlns="" xmlns:a14="http://schemas.microsoft.com/office/drawing/2010/main" val="0"/>
               </a:ext>
             </a:extLst>
           </a:blip>
@@ -6650,7 +6589,7 @@
           <a:noFill/>
           <a:extLst>
             <a:ext uri="{909E8E84-426E-40DD-AFC4-6F175D3DCCD1}">
-              <a14:hiddenFill xmlns:a14="http://schemas.microsoft.com/office/drawing/2010/main" xmlns="">
+              <a14:hiddenFill xmlns="" xmlns:a14="http://schemas.microsoft.com/office/drawing/2010/main">
                 <a:solidFill>
                   <a:srgbClr val="FFFFFF"/>
                 </a:solidFill>
@@ -8865,7 +8804,7 @@
           <a:blip r:embed="rId3" cstate="print">
             <a:extLst>
               <a:ext uri="{28A0092B-C50C-407E-A947-70E740481C1C}">
-                <a14:useLocalDpi xmlns:a14="http://schemas.microsoft.com/office/drawing/2010/main" xmlns="" val="0"/>
+                <a14:useLocalDpi xmlns="" xmlns:a14="http://schemas.microsoft.com/office/drawing/2010/main" val="0"/>
               </a:ext>
             </a:extLst>
           </a:blip>
@@ -8888,14 +8827,14 @@
           </a:ln>
           <a:extLst>
             <a:ext uri="{909E8E84-426E-40DD-AFC4-6F175D3DCCD1}">
-              <a14:hiddenFill xmlns:a14="http://schemas.microsoft.com/office/drawing/2010/main" xmlns="">
+              <a14:hiddenFill xmlns="" xmlns:a14="http://schemas.microsoft.com/office/drawing/2010/main">
                 <a:solidFill>
                   <a:schemeClr val="accent1"/>
                 </a:solidFill>
               </a14:hiddenFill>
             </a:ext>
             <a:ext uri="{91240B29-F687-4F45-9708-019B960494DF}">
-              <a14:hiddenLine xmlns:a14="http://schemas.microsoft.com/office/drawing/2010/main" xmlns="" w="9525">
+              <a14:hiddenLine xmlns="" xmlns:a14="http://schemas.microsoft.com/office/drawing/2010/main" w="9525">
                 <a:solidFill>
                   <a:schemeClr val="tx1"/>
                 </a:solidFill>
@@ -9036,7 +8975,7 @@
           <a:blip r:embed="rId4" cstate="print">
             <a:extLst>
               <a:ext uri="{28A0092B-C50C-407E-A947-70E740481C1C}">
-                <a14:useLocalDpi xmlns:a14="http://schemas.microsoft.com/office/drawing/2010/main" xmlns="" val="0"/>
+                <a14:useLocalDpi xmlns="" xmlns:a14="http://schemas.microsoft.com/office/drawing/2010/main" val="0"/>
               </a:ext>
             </a:extLst>
           </a:blip>
@@ -9059,14 +8998,14 @@
           </a:ln>
           <a:extLst>
             <a:ext uri="{909E8E84-426E-40DD-AFC4-6F175D3DCCD1}">
-              <a14:hiddenFill xmlns:a14="http://schemas.microsoft.com/office/drawing/2010/main" xmlns="">
+              <a14:hiddenFill xmlns="" xmlns:a14="http://schemas.microsoft.com/office/drawing/2010/main">
                 <a:solidFill>
                   <a:schemeClr val="accent1"/>
                 </a:solidFill>
               </a14:hiddenFill>
             </a:ext>
             <a:ext uri="{91240B29-F687-4F45-9708-019B960494DF}">
-              <a14:hiddenLine xmlns:a14="http://schemas.microsoft.com/office/drawing/2010/main" xmlns="" w="9525">
+              <a14:hiddenLine xmlns="" xmlns:a14="http://schemas.microsoft.com/office/drawing/2010/main" w="9525">
                 <a:solidFill>
                   <a:schemeClr val="tx1"/>
                 </a:solidFill>
@@ -9090,7 +9029,7 @@
           <a:blip r:embed="rId5" cstate="print">
             <a:extLst>
               <a:ext uri="{28A0092B-C50C-407E-A947-70E740481C1C}">
-                <a14:useLocalDpi xmlns:a14="http://schemas.microsoft.com/office/drawing/2010/main" xmlns="" val="0"/>
+                <a14:useLocalDpi xmlns="" xmlns:a14="http://schemas.microsoft.com/office/drawing/2010/main" val="0"/>
               </a:ext>
             </a:extLst>
           </a:blip>
@@ -9111,14 +9050,14 @@
           </a:ln>
           <a:extLst>
             <a:ext uri="{909E8E84-426E-40DD-AFC4-6F175D3DCCD1}">
-              <a14:hiddenFill xmlns:a14="http://schemas.microsoft.com/office/drawing/2010/main" xmlns="">
+              <a14:hiddenFill xmlns="" xmlns:a14="http://schemas.microsoft.com/office/drawing/2010/main">
                 <a:solidFill>
                   <a:schemeClr val="accent1"/>
                 </a:solidFill>
               </a14:hiddenFill>
             </a:ext>
             <a:ext uri="{91240B29-F687-4F45-9708-019B960494DF}">
-              <a14:hiddenLine xmlns:a14="http://schemas.microsoft.com/office/drawing/2010/main" xmlns="" w="9525">
+              <a14:hiddenLine xmlns="" xmlns:a14="http://schemas.microsoft.com/office/drawing/2010/main" w="9525">
                 <a:solidFill>
                   <a:schemeClr val="tx1"/>
                 </a:solidFill>
@@ -9711,7 +9650,7 @@
           <a:blip r:embed="rId3" cstate="print">
             <a:extLst>
               <a:ext uri="{28A0092B-C50C-407E-A947-70E740481C1C}">
-                <a14:useLocalDpi xmlns:a14="http://schemas.microsoft.com/office/drawing/2010/main" xmlns="" val="0"/>
+                <a14:useLocalDpi xmlns="" xmlns:a14="http://schemas.microsoft.com/office/drawing/2010/main" val="0"/>
               </a:ext>
             </a:extLst>
           </a:blip>
@@ -9734,14 +9673,14 @@
           </a:ln>
           <a:extLst>
             <a:ext uri="{909E8E84-426E-40DD-AFC4-6F175D3DCCD1}">
-              <a14:hiddenFill xmlns:a14="http://schemas.microsoft.com/office/drawing/2010/main" xmlns="">
+              <a14:hiddenFill xmlns="" xmlns:a14="http://schemas.microsoft.com/office/drawing/2010/main">
                 <a:solidFill>
                   <a:schemeClr val="accent1"/>
                 </a:solidFill>
               </a14:hiddenFill>
             </a:ext>
             <a:ext uri="{91240B29-F687-4F45-9708-019B960494DF}">
-              <a14:hiddenLine xmlns:a14="http://schemas.microsoft.com/office/drawing/2010/main" xmlns="" w="9525">
+              <a14:hiddenLine xmlns="" xmlns:a14="http://schemas.microsoft.com/office/drawing/2010/main" w="9525">
                 <a:solidFill>
                   <a:schemeClr val="tx1"/>
                 </a:solidFill>
